--- a/Dance invaders.pptx
+++ b/Dance invaders.pptx
@@ -114,6 +114,11 @@
       </a:defRPr>
     </a:lvl9pPr>
   </p:defaultTextStyle>
+  <p:extLst>
+    <p:ext uri="{EFAFB233-063F-42B5-8137-9DF3F51BA10A}">
+      <p15:sldGuideLst xmlns:p15="http://schemas.microsoft.com/office/powerpoint/2012/main"/>
+    </p:ext>
+  </p:extLst>
 </p:presentation>
 </file>
 
@@ -287,7 +292,7 @@
           <a:p>
             <a:fld id="{48A87A34-81AB-432B-8DAE-1953F412C126}" type="datetimeFigureOut">
               <a:rPr lang="en-US" dirty="0"/>
-              <a:t>1/9/2021</a:t>
+              <a:t>1/10/2021</a:t>
             </a:fld>
             <a:endParaRPr lang="en-US" dirty="0"/>
           </a:p>
@@ -549,7 +554,7 @@
           <a:p>
             <a:fld id="{48A87A34-81AB-432B-8DAE-1953F412C126}" type="datetimeFigureOut">
               <a:rPr lang="en-US" dirty="0"/>
-              <a:t>1/9/2021</a:t>
+              <a:t>1/10/2021</a:t>
             </a:fld>
             <a:endParaRPr lang="en-US" dirty="0"/>
           </a:p>
@@ -776,7 +781,7 @@
             <a:fld id="{48A87A34-81AB-432B-8DAE-1953F412C126}" type="datetimeFigureOut">
               <a:rPr lang="en-US" dirty="0"/>
               <a:pPr/>
-              <a:t>1/9/2021</a:t>
+              <a:t>1/10/2021</a:t>
             </a:fld>
             <a:endParaRPr lang="en-US" dirty="0"/>
           </a:p>
@@ -1082,7 +1087,7 @@
             <a:fld id="{48A87A34-81AB-432B-8DAE-1953F412C126}" type="datetimeFigureOut">
               <a:rPr lang="en-US" dirty="0"/>
               <a:pPr/>
-              <a:t>1/9/2021</a:t>
+              <a:t>1/10/2021</a:t>
             </a:fld>
             <a:endParaRPr lang="en-US" dirty="0"/>
           </a:p>
@@ -1551,7 +1556,7 @@
             <a:fld id="{48A87A34-81AB-432B-8DAE-1953F412C126}" type="datetimeFigureOut">
               <a:rPr lang="en-US" dirty="0"/>
               <a:pPr/>
-              <a:t>1/9/2021</a:t>
+              <a:t>1/10/2021</a:t>
             </a:fld>
             <a:endParaRPr lang="en-US" dirty="0"/>
           </a:p>
@@ -2093,7 +2098,7 @@
           <a:p>
             <a:fld id="{48A87A34-81AB-432B-8DAE-1953F412C126}" type="datetimeFigureOut">
               <a:rPr lang="en-US" dirty="0"/>
-              <a:t>1/9/2021</a:t>
+              <a:t>1/10/2021</a:t>
             </a:fld>
             <a:endParaRPr lang="en-US" dirty="0"/>
           </a:p>
@@ -2862,7 +2867,7 @@
           <a:p>
             <a:fld id="{48A87A34-81AB-432B-8DAE-1953F412C126}" type="datetimeFigureOut">
               <a:rPr lang="en-US" dirty="0"/>
-              <a:t>1/9/2021</a:t>
+              <a:t>1/10/2021</a:t>
             </a:fld>
             <a:endParaRPr lang="en-US" dirty="0"/>
           </a:p>
@@ -3032,7 +3037,7 @@
           <a:p>
             <a:fld id="{48A87A34-81AB-432B-8DAE-1953F412C126}" type="datetimeFigureOut">
               <a:rPr lang="en-US" dirty="0"/>
-              <a:t>1/9/2021</a:t>
+              <a:t>1/10/2021</a:t>
             </a:fld>
             <a:endParaRPr lang="en-US" dirty="0"/>
           </a:p>
@@ -3251,7 +3256,7 @@
             <a:fld id="{48A87A34-81AB-432B-8DAE-1953F412C126}" type="datetimeFigureOut">
               <a:rPr lang="en-US" dirty="0"/>
               <a:pPr/>
-              <a:t>1/9/2021</a:t>
+              <a:t>1/10/2021</a:t>
             </a:fld>
             <a:endParaRPr lang="en-US" dirty="0"/>
           </a:p>
@@ -3426,7 +3431,7 @@
           <a:p>
             <a:fld id="{48A87A34-81AB-432B-8DAE-1953F412C126}" type="datetimeFigureOut">
               <a:rPr lang="en-US" dirty="0"/>
-              <a:t>1/9/2021</a:t>
+              <a:t>1/10/2021</a:t>
             </a:fld>
             <a:endParaRPr lang="en-US" dirty="0"/>
           </a:p>
@@ -3711,7 +3716,7 @@
             <a:fld id="{48A87A34-81AB-432B-8DAE-1953F412C126}" type="datetimeFigureOut">
               <a:rPr lang="en-US" dirty="0"/>
               <a:pPr/>
-              <a:t>1/9/2021</a:t>
+              <a:t>1/10/2021</a:t>
             </a:fld>
             <a:endParaRPr lang="en-US" dirty="0"/>
           </a:p>
@@ -3948,7 +3953,7 @@
           <a:p>
             <a:fld id="{48A87A34-81AB-432B-8DAE-1953F412C126}" type="datetimeFigureOut">
               <a:rPr lang="en-US" dirty="0"/>
-              <a:t>1/9/2021</a:t>
+              <a:t>1/10/2021</a:t>
             </a:fld>
             <a:endParaRPr lang="en-US" dirty="0"/>
           </a:p>
@@ -4322,7 +4327,7 @@
           <a:p>
             <a:fld id="{48A87A34-81AB-432B-8DAE-1953F412C126}" type="datetimeFigureOut">
               <a:rPr lang="en-US" dirty="0"/>
-              <a:t>1/9/2021</a:t>
+              <a:t>1/10/2021</a:t>
             </a:fld>
             <a:endParaRPr lang="en-US" dirty="0"/>
           </a:p>
@@ -4435,7 +4440,7 @@
           <a:p>
             <a:fld id="{48A87A34-81AB-432B-8DAE-1953F412C126}" type="datetimeFigureOut">
               <a:rPr lang="en-US" dirty="0"/>
-              <a:t>1/9/2021</a:t>
+              <a:t>1/10/2021</a:t>
             </a:fld>
             <a:endParaRPr lang="en-US" dirty="0"/>
           </a:p>
@@ -4525,7 +4530,7 @@
           <a:p>
             <a:fld id="{48A87A34-81AB-432B-8DAE-1953F412C126}" type="datetimeFigureOut">
               <a:rPr lang="en-US" dirty="0"/>
-              <a:t>1/9/2021</a:t>
+              <a:t>1/10/2021</a:t>
             </a:fld>
             <a:endParaRPr lang="en-US" dirty="0"/>
           </a:p>
@@ -4769,7 +4774,7 @@
           <a:p>
             <a:fld id="{48A87A34-81AB-432B-8DAE-1953F412C126}" type="datetimeFigureOut">
               <a:rPr lang="en-US" dirty="0"/>
-              <a:t>1/9/2021</a:t>
+              <a:t>1/10/2021</a:t>
             </a:fld>
             <a:endParaRPr lang="en-US" dirty="0"/>
           </a:p>
@@ -5021,7 +5026,7 @@
           <a:p>
             <a:fld id="{48A87A34-81AB-432B-8DAE-1953F412C126}" type="datetimeFigureOut">
               <a:rPr lang="en-US" dirty="0"/>
-              <a:t>1/9/2021</a:t>
+              <a:t>1/10/2021</a:t>
             </a:fld>
             <a:endParaRPr lang="en-US" dirty="0"/>
           </a:p>
@@ -5260,7 +5265,7 @@
             <a:fld id="{48A87A34-81AB-432B-8DAE-1953F412C126}" type="datetimeFigureOut">
               <a:rPr lang="en-US" dirty="0"/>
               <a:pPr/>
-              <a:t>1/9/2021</a:t>
+              <a:t>1/10/2021</a:t>
             </a:fld>
             <a:endParaRPr lang="en-US" dirty="0"/>
           </a:p>
@@ -6346,10 +6351,28 @@
         </p:nvSpPr>
         <p:spPr/>
         <p:txBody>
-          <a:bodyPr/>
-          <a:lstStyle/>
-          <a:p>
-            <a:endParaRPr lang="zh-TW" altLang="en-US" dirty="0"/>
+          <a:bodyPr>
+            <a:normAutofit/>
+          </a:bodyPr>
+          <a:lstStyle/>
+          <a:p>
+            <a:r>
+              <a:rPr lang="en-US" altLang="zh-TW" sz="2800" dirty="0"/>
+              <a:t>We use 4-bit-unit serial transmission by asynchronous handshaking, and the transmission is unidirectional.</a:t>
+            </a:r>
+          </a:p>
+          <a:p>
+            <a:r>
+              <a:rPr lang="en-US" altLang="zh-TW" sz="2800" dirty="0"/>
+              <a:t>The most difficult point is the protocol between mother board and child board , including the size of an object and the way to transmit the object.</a:t>
+            </a:r>
+          </a:p>
+          <a:p>
+            <a:r>
+              <a:rPr lang="en-US" altLang="zh-TW" sz="2800" dirty="0"/>
+              <a:t>We use the reset signal from mother board to child board to reset child board , and we use odd parity to detect the error.</a:t>
+            </a:r>
+            <a:endParaRPr lang="zh-TW" altLang="en-US" sz="2800" dirty="0"/>
           </a:p>
         </p:txBody>
       </p:sp>

--- a/Dance invaders.pptx
+++ b/Dance invaders.pptx
@@ -9,13 +9,12 @@
     <p:sldId id="257" r:id="rId3"/>
     <p:sldId id="262" r:id="rId4"/>
     <p:sldId id="259" r:id="rId5"/>
-    <p:sldId id="258" r:id="rId6"/>
-    <p:sldId id="260" r:id="rId7"/>
-    <p:sldId id="266" r:id="rId8"/>
-    <p:sldId id="263" r:id="rId9"/>
-    <p:sldId id="264" r:id="rId10"/>
-    <p:sldId id="267" r:id="rId11"/>
-    <p:sldId id="268" r:id="rId12"/>
+    <p:sldId id="260" r:id="rId6"/>
+    <p:sldId id="266" r:id="rId7"/>
+    <p:sldId id="263" r:id="rId8"/>
+    <p:sldId id="264" r:id="rId9"/>
+    <p:sldId id="267" r:id="rId10"/>
+    <p:sldId id="268" r:id="rId11"/>
   </p:sldIdLst>
   <p:sldSz cx="12192000" cy="6858000"/>
   <p:notesSz cx="6858000" cy="9144000"/>
@@ -292,7 +291,7 @@
           <a:p>
             <a:fld id="{48A87A34-81AB-432B-8DAE-1953F412C126}" type="datetimeFigureOut">
               <a:rPr lang="en-US" dirty="0"/>
-              <a:t>1/10/2021</a:t>
+              <a:t>1/14/2021</a:t>
             </a:fld>
             <a:endParaRPr lang="en-US" dirty="0"/>
           </a:p>
@@ -554,7 +553,7 @@
           <a:p>
             <a:fld id="{48A87A34-81AB-432B-8DAE-1953F412C126}" type="datetimeFigureOut">
               <a:rPr lang="en-US" dirty="0"/>
-              <a:t>1/10/2021</a:t>
+              <a:t>1/14/2021</a:t>
             </a:fld>
             <a:endParaRPr lang="en-US" dirty="0"/>
           </a:p>
@@ -781,7 +780,7 @@
             <a:fld id="{48A87A34-81AB-432B-8DAE-1953F412C126}" type="datetimeFigureOut">
               <a:rPr lang="en-US" dirty="0"/>
               <a:pPr/>
-              <a:t>1/10/2021</a:t>
+              <a:t>1/14/2021</a:t>
             </a:fld>
             <a:endParaRPr lang="en-US" dirty="0"/>
           </a:p>
@@ -1087,7 +1086,7 @@
             <a:fld id="{48A87A34-81AB-432B-8DAE-1953F412C126}" type="datetimeFigureOut">
               <a:rPr lang="en-US" dirty="0"/>
               <a:pPr/>
-              <a:t>1/10/2021</a:t>
+              <a:t>1/14/2021</a:t>
             </a:fld>
             <a:endParaRPr lang="en-US" dirty="0"/>
           </a:p>
@@ -1556,7 +1555,7 @@
             <a:fld id="{48A87A34-81AB-432B-8DAE-1953F412C126}" type="datetimeFigureOut">
               <a:rPr lang="en-US" dirty="0"/>
               <a:pPr/>
-              <a:t>1/10/2021</a:t>
+              <a:t>1/14/2021</a:t>
             </a:fld>
             <a:endParaRPr lang="en-US" dirty="0"/>
           </a:p>
@@ -2098,7 +2097,7 @@
           <a:p>
             <a:fld id="{48A87A34-81AB-432B-8DAE-1953F412C126}" type="datetimeFigureOut">
               <a:rPr lang="en-US" dirty="0"/>
-              <a:t>1/10/2021</a:t>
+              <a:t>1/14/2021</a:t>
             </a:fld>
             <a:endParaRPr lang="en-US" dirty="0"/>
           </a:p>
@@ -2867,7 +2866,7 @@
           <a:p>
             <a:fld id="{48A87A34-81AB-432B-8DAE-1953F412C126}" type="datetimeFigureOut">
               <a:rPr lang="en-US" dirty="0"/>
-              <a:t>1/10/2021</a:t>
+              <a:t>1/14/2021</a:t>
             </a:fld>
             <a:endParaRPr lang="en-US" dirty="0"/>
           </a:p>
@@ -3037,7 +3036,7 @@
           <a:p>
             <a:fld id="{48A87A34-81AB-432B-8DAE-1953F412C126}" type="datetimeFigureOut">
               <a:rPr lang="en-US" dirty="0"/>
-              <a:t>1/10/2021</a:t>
+              <a:t>1/14/2021</a:t>
             </a:fld>
             <a:endParaRPr lang="en-US" dirty="0"/>
           </a:p>
@@ -3256,7 +3255,7 @@
             <a:fld id="{48A87A34-81AB-432B-8DAE-1953F412C126}" type="datetimeFigureOut">
               <a:rPr lang="en-US" dirty="0"/>
               <a:pPr/>
-              <a:t>1/10/2021</a:t>
+              <a:t>1/14/2021</a:t>
             </a:fld>
             <a:endParaRPr lang="en-US" dirty="0"/>
           </a:p>
@@ -3431,7 +3430,7 @@
           <a:p>
             <a:fld id="{48A87A34-81AB-432B-8DAE-1953F412C126}" type="datetimeFigureOut">
               <a:rPr lang="en-US" dirty="0"/>
-              <a:t>1/10/2021</a:t>
+              <a:t>1/14/2021</a:t>
             </a:fld>
             <a:endParaRPr lang="en-US" dirty="0"/>
           </a:p>
@@ -3716,7 +3715,7 @@
             <a:fld id="{48A87A34-81AB-432B-8DAE-1953F412C126}" type="datetimeFigureOut">
               <a:rPr lang="en-US" dirty="0"/>
               <a:pPr/>
-              <a:t>1/10/2021</a:t>
+              <a:t>1/14/2021</a:t>
             </a:fld>
             <a:endParaRPr lang="en-US" dirty="0"/>
           </a:p>
@@ -3953,7 +3952,7 @@
           <a:p>
             <a:fld id="{48A87A34-81AB-432B-8DAE-1953F412C126}" type="datetimeFigureOut">
               <a:rPr lang="en-US" dirty="0"/>
-              <a:t>1/10/2021</a:t>
+              <a:t>1/14/2021</a:t>
             </a:fld>
             <a:endParaRPr lang="en-US" dirty="0"/>
           </a:p>
@@ -4327,7 +4326,7 @@
           <a:p>
             <a:fld id="{48A87A34-81AB-432B-8DAE-1953F412C126}" type="datetimeFigureOut">
               <a:rPr lang="en-US" dirty="0"/>
-              <a:t>1/10/2021</a:t>
+              <a:t>1/14/2021</a:t>
             </a:fld>
             <a:endParaRPr lang="en-US" dirty="0"/>
           </a:p>
@@ -4440,7 +4439,7 @@
           <a:p>
             <a:fld id="{48A87A34-81AB-432B-8DAE-1953F412C126}" type="datetimeFigureOut">
               <a:rPr lang="en-US" dirty="0"/>
-              <a:t>1/10/2021</a:t>
+              <a:t>1/14/2021</a:t>
             </a:fld>
             <a:endParaRPr lang="en-US" dirty="0"/>
           </a:p>
@@ -4530,7 +4529,7 @@
           <a:p>
             <a:fld id="{48A87A34-81AB-432B-8DAE-1953F412C126}" type="datetimeFigureOut">
               <a:rPr lang="en-US" dirty="0"/>
-              <a:t>1/10/2021</a:t>
+              <a:t>1/14/2021</a:t>
             </a:fld>
             <a:endParaRPr lang="en-US" dirty="0"/>
           </a:p>
@@ -4774,7 +4773,7 @@
           <a:p>
             <a:fld id="{48A87A34-81AB-432B-8DAE-1953F412C126}" type="datetimeFigureOut">
               <a:rPr lang="en-US" dirty="0"/>
-              <a:t>1/10/2021</a:t>
+              <a:t>1/14/2021</a:t>
             </a:fld>
             <a:endParaRPr lang="en-US" dirty="0"/>
           </a:p>
@@ -5026,7 +5025,7 @@
           <a:p>
             <a:fld id="{48A87A34-81AB-432B-8DAE-1953F412C126}" type="datetimeFigureOut">
               <a:rPr lang="en-US" dirty="0"/>
-              <a:t>1/10/2021</a:t>
+              <a:t>1/14/2021</a:t>
             </a:fld>
             <a:endParaRPr lang="en-US" dirty="0"/>
           </a:p>
@@ -5265,7 +5264,7 @@
             <a:fld id="{48A87A34-81AB-432B-8DAE-1953F412C126}" type="datetimeFigureOut">
               <a:rPr lang="en-US" dirty="0"/>
               <a:pPr/>
-              <a:t>1/10/2021</a:t>
+              <a:t>1/14/2021</a:t>
             </a:fld>
             <a:endParaRPr lang="en-US" dirty="0"/>
           </a:p>
@@ -5846,73 +5845,6 @@
             <a:pPr algn="ctr"/>
             <a:r>
               <a:rPr lang="en-US" altLang="zh-TW" sz="6000" dirty="0"/>
-              <a:t>Q&amp;A</a:t>
-            </a:r>
-            <a:endParaRPr lang="zh-TW" altLang="en-US" sz="6000" dirty="0"/>
-          </a:p>
-        </p:txBody>
-      </p:sp>
-    </p:spTree>
-    <p:extLst>
-      <p:ext uri="{BB962C8B-B14F-4D97-AF65-F5344CB8AC3E}">
-        <p14:creationId xmlns:p14="http://schemas.microsoft.com/office/powerpoint/2010/main" val="1977995877"/>
-      </p:ext>
-    </p:extLst>
-  </p:cSld>
-  <p:clrMapOvr>
-    <a:masterClrMapping/>
-  </p:clrMapOvr>
-</p:sld>
-</file>
-
-<file path=ppt/slides/slide11.xml><?xml version="1.0" encoding="utf-8"?>
-<p:sld xmlns:a="http://schemas.openxmlformats.org/drawingml/2006/main" xmlns:r="http://schemas.openxmlformats.org/officeDocument/2006/relationships" xmlns:p="http://schemas.openxmlformats.org/presentationml/2006/main">
-  <p:cSld>
-    <p:spTree>
-      <p:nvGrpSpPr>
-        <p:cNvPr id="1" name=""/>
-        <p:cNvGrpSpPr/>
-        <p:nvPr/>
-      </p:nvGrpSpPr>
-      <p:grpSpPr>
-        <a:xfrm>
-          <a:off x="0" y="0"/>
-          <a:ext cx="0" cy="0"/>
-          <a:chOff x="0" y="0"/>
-          <a:chExt cx="0" cy="0"/>
-        </a:xfrm>
-      </p:grpSpPr>
-      <p:sp>
-        <p:nvSpPr>
-          <p:cNvPr id="2" name="標題 1">
-            <a:extLst>
-              <a:ext uri="{FF2B5EF4-FFF2-40B4-BE49-F238E27FC236}">
-                <a16:creationId xmlns:a16="http://schemas.microsoft.com/office/drawing/2014/main" id="{93253409-9C28-4260-9F63-74EC0CD87150}"/>
-              </a:ext>
-            </a:extLst>
-          </p:cNvPr>
-          <p:cNvSpPr>
-            <a:spLocks noGrp="1"/>
-          </p:cNvSpPr>
-          <p:nvPr>
-            <p:ph type="title"/>
-          </p:nvPr>
-        </p:nvSpPr>
-        <p:spPr>
-          <a:xfrm>
-            <a:off x="1790700" y="2631273"/>
-            <a:ext cx="8610600" cy="1293028"/>
-          </a:xfrm>
-        </p:spPr>
-        <p:txBody>
-          <a:bodyPr>
-            <a:normAutofit/>
-          </a:bodyPr>
-          <a:lstStyle/>
-          <a:p>
-            <a:pPr algn="ctr"/>
-            <a:r>
-              <a:rPr lang="en-US" altLang="zh-TW" sz="6000" dirty="0"/>
               <a:t>THE END</a:t>
             </a:r>
             <a:endParaRPr lang="zh-TW" altLang="en-US" sz="6000" dirty="0"/>
@@ -6322,12 +6254,22 @@
         </p:nvSpPr>
         <p:spPr/>
         <p:txBody>
-          <a:bodyPr/>
+          <a:bodyPr>
+            <a:normAutofit/>
+          </a:bodyPr>
           <a:lstStyle/>
           <a:p>
             <a:r>
               <a:rPr lang="en-US" altLang="zh-TW" dirty="0"/>
-              <a:t>PARALLEL INTER-DEVICE TRANSMISSION</a:t>
+              <a:t>IMAGE PRE-</a:t>
+            </a:r>
+            <a:r>
+              <a:rPr lang="en-US" altLang="zh-TW" dirty="0" err="1"/>
+              <a:t>PROCessINg</a:t>
+            </a:r>
+            <a:r>
+              <a:rPr lang="en-US" altLang="zh-TW" dirty="0"/>
+              <a:t> pt.1</a:t>
             </a:r>
             <a:endParaRPr lang="zh-TW" altLang="en-US" dirty="0"/>
           </a:p>
@@ -6358,28 +6300,21 @@
           <a:p>
             <a:r>
               <a:rPr lang="en-US" altLang="zh-TW" sz="2800" dirty="0"/>
-              <a:t>We use 4-bit-unit serial transmission by asynchronous handshaking, and the transmission is unidirectional.</a:t>
+              <a:t>We needed to use images in our project. In particular, the sprite images for the invading aliens.</a:t>
             </a:r>
           </a:p>
           <a:p>
             <a:r>
               <a:rPr lang="en-US" altLang="zh-TW" sz="2800" dirty="0"/>
-              <a:t>The most difficult point is the protocol between mother board and child board , including the size of an object and the way to transmit the object.</a:t>
-            </a:r>
-          </a:p>
-          <a:p>
-            <a:r>
-              <a:rPr lang="en-US" altLang="zh-TW" sz="2800" dirty="0"/>
-              <a:t>We use the reset signal from mother board to child board to reset child board , and we use odd parity to detect the error.</a:t>
-            </a:r>
-            <a:endParaRPr lang="zh-TW" altLang="en-US" sz="2800" dirty="0"/>
+              <a:t>The aliens’ image warp as they approach the boundaries of the screen, and grows bigger as they approach the player. Computing linear transformations on the aliens’ bitmap costs a huge amount of memory (to store intermediate buffers), making this idea quite infeasible. (Among other reasons)</a:t>
+            </a:r>
           </a:p>
         </p:txBody>
       </p:sp>
     </p:spTree>
     <p:extLst>
       <p:ext uri="{BB962C8B-B14F-4D97-AF65-F5344CB8AC3E}">
-        <p14:creationId xmlns:p14="http://schemas.microsoft.com/office/powerpoint/2010/main" val="1377112644"/>
+        <p14:creationId xmlns:p14="http://schemas.microsoft.com/office/powerpoint/2010/main" val="3013594886"/>
       </p:ext>
     </p:extLst>
   </p:cSld>
@@ -6411,7 +6346,7 @@
           <p:cNvPr id="2" name="標題 1">
             <a:extLst>
               <a:ext uri="{FF2B5EF4-FFF2-40B4-BE49-F238E27FC236}">
-                <a16:creationId xmlns:a16="http://schemas.microsoft.com/office/drawing/2014/main" id="{4F83A5D5-E9F2-43C7-9DFB-CCAE8F7F0F3F}"/>
+                <a16:creationId xmlns:a16="http://schemas.microsoft.com/office/drawing/2014/main" id="{929F6A34-4CEE-4E81-ABD7-ACE1A6E01AA2}"/>
               </a:ext>
             </a:extLst>
           </p:cNvPr>
@@ -6424,22 +6359,12 @@
         </p:nvSpPr>
         <p:spPr/>
         <p:txBody>
-          <a:bodyPr>
-            <a:normAutofit/>
-          </a:bodyPr>
+          <a:bodyPr/>
           <a:lstStyle/>
           <a:p>
             <a:r>
               <a:rPr lang="en-US" altLang="zh-TW" dirty="0"/>
-              <a:t>IMAGE PRE-</a:t>
-            </a:r>
-            <a:r>
-              <a:rPr lang="en-US" altLang="zh-TW" dirty="0" err="1"/>
-              <a:t>PROCessINg</a:t>
-            </a:r>
-            <a:r>
-              <a:rPr lang="en-US" altLang="zh-TW" dirty="0"/>
-              <a:t> pt.1</a:t>
+              <a:t>Image pre-processing pt.2</a:t>
             </a:r>
             <a:endParaRPr lang="zh-TW" altLang="en-US" dirty="0"/>
           </a:p>
@@ -6450,7 +6375,7 @@
           <p:cNvPr id="3" name="內容版面配置區 2">
             <a:extLst>
               <a:ext uri="{FF2B5EF4-FFF2-40B4-BE49-F238E27FC236}">
-                <a16:creationId xmlns:a16="http://schemas.microsoft.com/office/drawing/2014/main" id="{129984E3-F724-40DE-A3B0-0135CFB1A001}"/>
+                <a16:creationId xmlns:a16="http://schemas.microsoft.com/office/drawing/2014/main" id="{E2BF8D20-05D7-4631-AF7C-45AF73AD3994}"/>
               </a:ext>
             </a:extLst>
           </p:cNvPr>
@@ -6463,28 +6388,30 @@
         </p:nvSpPr>
         <p:spPr/>
         <p:txBody>
-          <a:bodyPr>
-            <a:normAutofit/>
-          </a:bodyPr>
+          <a:bodyPr/>
           <a:lstStyle/>
           <a:p>
             <a:r>
               <a:rPr lang="en-US" altLang="zh-TW" sz="2800" dirty="0"/>
-              <a:t>We needed to use images in our project. In particular, the sprite images for the invading aliens.</a:t>
+              <a:t>We chose instead to preprocess all the image transformations that we will use in the game and store it in one continuous block memory as Read-Only Memory.</a:t>
             </a:r>
           </a:p>
           <a:p>
             <a:r>
               <a:rPr lang="en-US" altLang="zh-TW" sz="2800" dirty="0"/>
-              <a:t>The aliens’ image warp as they approach the boundaries of the screen, and grows bigger as they approach the player. Computing linear transformations on the aliens’ bitmap costs a huge amount of memory (to store intermediate buffers), making this idea quite infeasible. (Among other reasons)</a:t>
-            </a:r>
+              <a:t>(16 different distances) x (2-frame animation) x (4 horizontal transforms to approximate projection) x (2 different alien sprites) = 256 images to store!</a:t>
+            </a:r>
+            <a:endParaRPr lang="zh-TW" altLang="en-US" sz="2800" dirty="0"/>
+          </a:p>
+          <a:p>
+            <a:endParaRPr lang="zh-TW" altLang="en-US" dirty="0"/>
           </a:p>
         </p:txBody>
       </p:sp>
     </p:spTree>
     <p:extLst>
       <p:ext uri="{BB962C8B-B14F-4D97-AF65-F5344CB8AC3E}">
-        <p14:creationId xmlns:p14="http://schemas.microsoft.com/office/powerpoint/2010/main" val="3013594886"/>
+        <p14:creationId xmlns:p14="http://schemas.microsoft.com/office/powerpoint/2010/main" val="1392786774"/>
       </p:ext>
     </p:extLst>
   </p:cSld>
@@ -6516,7 +6443,7 @@
           <p:cNvPr id="2" name="標題 1">
             <a:extLst>
               <a:ext uri="{FF2B5EF4-FFF2-40B4-BE49-F238E27FC236}">
-                <a16:creationId xmlns:a16="http://schemas.microsoft.com/office/drawing/2014/main" id="{929F6A34-4CEE-4E81-ABD7-ACE1A6E01AA2}"/>
+                <a16:creationId xmlns:a16="http://schemas.microsoft.com/office/drawing/2014/main" id="{4F83A5D5-E9F2-43C7-9DFB-CCAE8F7F0F3F}"/>
               </a:ext>
             </a:extLst>
           </p:cNvPr>
@@ -6529,12 +6456,14 @@
         </p:nvSpPr>
         <p:spPr/>
         <p:txBody>
-          <a:bodyPr/>
+          <a:bodyPr>
+            <a:normAutofit/>
+          </a:bodyPr>
           <a:lstStyle/>
           <a:p>
             <a:r>
               <a:rPr lang="en-US" altLang="zh-TW" dirty="0"/>
-              <a:t>Image pre-processing pt.2</a:t>
+              <a:t>IMAGE compression pt.1</a:t>
             </a:r>
             <a:endParaRPr lang="zh-TW" altLang="en-US" dirty="0"/>
           </a:p>
@@ -6545,7 +6474,7 @@
           <p:cNvPr id="3" name="內容版面配置區 2">
             <a:extLst>
               <a:ext uri="{FF2B5EF4-FFF2-40B4-BE49-F238E27FC236}">
-                <a16:creationId xmlns:a16="http://schemas.microsoft.com/office/drawing/2014/main" id="{E2BF8D20-05D7-4631-AF7C-45AF73AD3994}"/>
+                <a16:creationId xmlns:a16="http://schemas.microsoft.com/office/drawing/2014/main" id="{129984E3-F724-40DE-A3B0-0135CFB1A001}"/>
               </a:ext>
             </a:extLst>
           </p:cNvPr>
@@ -6558,30 +6487,40 @@
         </p:nvSpPr>
         <p:spPr/>
         <p:txBody>
-          <a:bodyPr/>
-          <a:lstStyle/>
-          <a:p>
-            <a:r>
-              <a:rPr lang="en-US" altLang="zh-TW" sz="2800" dirty="0"/>
-              <a:t>We chose instead to preprocess all the image transformations that we will use in the game and store it in one continuous block memory as Read-Only Memory.</a:t>
-            </a:r>
-          </a:p>
-          <a:p>
-            <a:r>
-              <a:rPr lang="en-US" altLang="zh-TW" sz="2800" dirty="0"/>
-              <a:t>(16 different distances) x (2-frame animation) x (4 horizontal transforms to approximate projection) x (2 different alien sprites) = 256 images to store!</a:t>
-            </a:r>
-            <a:endParaRPr lang="zh-TW" altLang="en-US" sz="2800" dirty="0"/>
-          </a:p>
-          <a:p>
-            <a:endParaRPr lang="zh-TW" altLang="en-US" dirty="0"/>
+          <a:bodyPr>
+            <a:normAutofit lnSpcReduction="10000"/>
+          </a:bodyPr>
+          <a:lstStyle/>
+          <a:p>
+            <a:r>
+              <a:rPr lang="en-US" altLang="zh-TW" dirty="0"/>
+              <a:t>We employed a technique known as color quantization. In particular, for the aliens, we make it so every entry in the alien’s bitmap denotes whether it’s colored or not.</a:t>
+            </a:r>
+          </a:p>
+          <a:p>
+            <a:r>
+              <a:rPr lang="en-US" altLang="zh-TW" dirty="0"/>
+              <a:t>Furthermore, we took advantage of the symmetry in the sprites to only store the right half of every image.</a:t>
+            </a:r>
+          </a:p>
+          <a:p>
+            <a:r>
+              <a:rPr lang="en-US" altLang="zh-TW" dirty="0"/>
+              <a:t>All in all, a full sprite-set can be stored in around 300~kbits of memory. Had we stored every pixel entry in the 12-bit RGB format, we would hit over 3600k bits of memory usage, over twice the Basys3’s capacity.</a:t>
+            </a:r>
+          </a:p>
+          <a:p>
+            <a:r>
+              <a:rPr lang="en-US" altLang="zh-TW" dirty="0"/>
+              <a:t>The color quantization approach also gives us an additional advantage in that we can compute its color on-the-fly, allowing us to use palette changing to create 4 seemingly distinct aliens and adjust their color based on their distance.</a:t>
+            </a:r>
           </a:p>
         </p:txBody>
       </p:sp>
     </p:spTree>
     <p:extLst>
       <p:ext uri="{BB962C8B-B14F-4D97-AF65-F5344CB8AC3E}">
-        <p14:creationId xmlns:p14="http://schemas.microsoft.com/office/powerpoint/2010/main" val="1392786774"/>
+        <p14:creationId xmlns:p14="http://schemas.microsoft.com/office/powerpoint/2010/main" val="519183551"/>
       </p:ext>
     </p:extLst>
   </p:cSld>
@@ -6633,7 +6572,7 @@
           <a:p>
             <a:r>
               <a:rPr lang="en-US" altLang="zh-TW" dirty="0"/>
-              <a:t>IMAGE compression pt.1</a:t>
+              <a:t>IMAGE compression PT.2</a:t>
             </a:r>
             <a:endParaRPr lang="zh-TW" altLang="en-US" dirty="0"/>
           </a:p>
@@ -6658,31 +6597,89 @@
         <p:spPr/>
         <p:txBody>
           <a:bodyPr>
-            <a:normAutofit lnSpcReduction="10000"/>
+            <a:normAutofit fontScale="92500"/>
           </a:bodyPr>
           <a:lstStyle/>
           <a:p>
             <a:r>
               <a:rPr lang="en-US" altLang="zh-TW" dirty="0"/>
-              <a:t>We employed a technique known as color quantization. In particular, for the aliens, we make it so every entry in the alien’s bitmap denotes whether it’s colored or not.</a:t>
+              <a:t>The method of color quantization is incredibly powerful, but conventional image-editing software does not support outputting in the form of pure binary. </a:t>
             </a:r>
           </a:p>
           <a:p>
             <a:r>
               <a:rPr lang="en-US" altLang="zh-TW" dirty="0"/>
-              <a:t>Furthermore, we took advantage of the symmetry in the sprites to only store the right half of every image.</a:t>
-            </a:r>
-          </a:p>
-          <a:p>
+              <a:t>Luckily, open-source libraries for image processing exists. We used the </a:t>
+            </a:r>
+            <a:r>
+              <a:rPr lang="en-US" altLang="zh-TW" dirty="0" err="1"/>
+              <a:t>OpenImageIO</a:t>
+            </a:r>
             <a:r>
               <a:rPr lang="en-US" altLang="zh-TW" dirty="0"/>
-              <a:t>All in all, a full sprite-set can be stored in around 300~kbits of memory. Had we stored every pixel entry in the 12-bit RGB format, we would hit over 3600k bits of memory usage, over twice the Basys3’s capacity.</a:t>
-            </a:r>
-          </a:p>
-          <a:p>
+              <a:t> library (along with Boost C++ for ease of coding) to process RGB/RGBA image formats (we’ve tried JPG and PNG). For the creation of the sprites, we used the web-application </a:t>
+            </a:r>
+            <a:r>
+              <a:rPr lang="en-US" altLang="zh-TW" dirty="0" err="1"/>
+              <a:t>Piskel</a:t>
+            </a:r>
             <a:r>
               <a:rPr lang="en-US" altLang="zh-TW" dirty="0"/>
-              <a:t>The color quantization approach also gives us an additional advantage in that we can compute its color on-the-fly, allowing us to use palette changing to create 4 seemingly distinct aliens and adjust their color based on their distance.</a:t>
+              <a:t>, and performed resizes through </a:t>
+            </a:r>
+            <a:r>
+              <a:rPr lang="en-US" altLang="zh-TW" dirty="0" err="1"/>
+              <a:t>ImageMagick</a:t>
+            </a:r>
+            <a:r>
+              <a:rPr lang="en-US" altLang="zh-TW" dirty="0"/>
+              <a:t> CLI commands. (With the help of shell scripts, of course)</a:t>
+            </a:r>
+          </a:p>
+          <a:p>
+            <a:r>
+              <a:rPr lang="en-US" altLang="zh-TW" dirty="0"/>
+              <a:t>Throughout development, we’ve experimented with output formats such as Xilinx’s binary coefficient files (.</a:t>
+            </a:r>
+            <a:r>
+              <a:rPr lang="en-US" altLang="zh-TW" dirty="0" err="1"/>
+              <a:t>coe</a:t>
+            </a:r>
+            <a:r>
+              <a:rPr lang="en-US" altLang="zh-TW" dirty="0"/>
+              <a:t>), </a:t>
+            </a:r>
+            <a:r>
+              <a:rPr lang="en-US" altLang="zh-TW" dirty="0" err="1"/>
+              <a:t>SystemVerilog</a:t>
+            </a:r>
+            <a:r>
+              <a:rPr lang="en-US" altLang="zh-TW" dirty="0"/>
+              <a:t>-applicable parameter header files (.</a:t>
+            </a:r>
+            <a:r>
+              <a:rPr lang="en-US" altLang="zh-TW" dirty="0" err="1"/>
+              <a:t>svh</a:t>
+            </a:r>
+            <a:r>
+              <a:rPr lang="en-US" altLang="zh-TW" dirty="0"/>
+              <a:t>), and space-separated binary readable through $</a:t>
+            </a:r>
+            <a:r>
+              <a:rPr lang="en-US" altLang="zh-TW" dirty="0" err="1"/>
+              <a:t>readmemb</a:t>
+            </a:r>
+            <a:r>
+              <a:rPr lang="en-US" altLang="zh-TW" dirty="0"/>
+              <a:t>. (.mem) We eventually settled with .</a:t>
+            </a:r>
+            <a:r>
+              <a:rPr lang="en-US" altLang="zh-TW" dirty="0" err="1"/>
+              <a:t>coe</a:t>
+            </a:r>
+            <a:r>
+              <a:rPr lang="en-US" altLang="zh-TW" dirty="0"/>
+              <a:t> as the final output, but for the ease of concatenating the binaries, we export as .mem first.</a:t>
             </a:r>
           </a:p>
         </p:txBody>
@@ -6690,7 +6687,7 @@
     </p:spTree>
     <p:extLst>
       <p:ext uri="{BB962C8B-B14F-4D97-AF65-F5344CB8AC3E}">
-        <p14:creationId xmlns:p14="http://schemas.microsoft.com/office/powerpoint/2010/main" val="519183551"/>
+        <p14:creationId xmlns:p14="http://schemas.microsoft.com/office/powerpoint/2010/main" val="2761758962"/>
       </p:ext>
     </p:extLst>
   </p:cSld>
@@ -6722,7 +6719,7 @@
           <p:cNvPr id="2" name="標題 1">
             <a:extLst>
               <a:ext uri="{FF2B5EF4-FFF2-40B4-BE49-F238E27FC236}">
-                <a16:creationId xmlns:a16="http://schemas.microsoft.com/office/drawing/2014/main" id="{4F83A5D5-E9F2-43C7-9DFB-CCAE8F7F0F3F}"/>
+                <a16:creationId xmlns:a16="http://schemas.microsoft.com/office/drawing/2014/main" id="{93253409-9C28-4260-9F63-74EC0CD87150}"/>
               </a:ext>
             </a:extLst>
           </p:cNvPr>
@@ -6733,131 +6730,31 @@
             <p:ph type="title"/>
           </p:nvPr>
         </p:nvSpPr>
-        <p:spPr/>
+        <p:spPr>
+          <a:xfrm>
+            <a:off x="1790700" y="2631273"/>
+            <a:ext cx="8610600" cy="1293028"/>
+          </a:xfrm>
+        </p:spPr>
         <p:txBody>
           <a:bodyPr>
             <a:normAutofit/>
           </a:bodyPr>
           <a:lstStyle/>
           <a:p>
-            <a:r>
-              <a:rPr lang="en-US" altLang="zh-TW" dirty="0"/>
-              <a:t>IMAGE compression PT.2</a:t>
-            </a:r>
-            <a:endParaRPr lang="zh-TW" altLang="en-US" dirty="0"/>
-          </a:p>
-        </p:txBody>
-      </p:sp>
-      <p:sp>
-        <p:nvSpPr>
-          <p:cNvPr id="3" name="內容版面配置區 2">
-            <a:extLst>
-              <a:ext uri="{FF2B5EF4-FFF2-40B4-BE49-F238E27FC236}">
-                <a16:creationId xmlns:a16="http://schemas.microsoft.com/office/drawing/2014/main" id="{129984E3-F724-40DE-A3B0-0135CFB1A001}"/>
-              </a:ext>
-            </a:extLst>
-          </p:cNvPr>
-          <p:cNvSpPr>
-            <a:spLocks noGrp="1"/>
-          </p:cNvSpPr>
-          <p:nvPr>
-            <p:ph idx="1"/>
-          </p:nvPr>
-        </p:nvSpPr>
-        <p:spPr/>
-        <p:txBody>
-          <a:bodyPr>
-            <a:normAutofit fontScale="92500"/>
-          </a:bodyPr>
-          <a:lstStyle/>
-          <a:p>
-            <a:r>
-              <a:rPr lang="en-US" altLang="zh-TW" dirty="0"/>
-              <a:t>The method of color quantization is incredibly powerful, but conventional image-editing software does not support outputting in the form of pure binary. </a:t>
-            </a:r>
-          </a:p>
-          <a:p>
-            <a:r>
-              <a:rPr lang="en-US" altLang="zh-TW" dirty="0"/>
-              <a:t>Luckily, open-source libraries for image processing exists. We used the </a:t>
-            </a:r>
-            <a:r>
-              <a:rPr lang="en-US" altLang="zh-TW" dirty="0" err="1"/>
-              <a:t>OpenImageIO</a:t>
-            </a:r>
-            <a:r>
-              <a:rPr lang="en-US" altLang="zh-TW" dirty="0"/>
-              <a:t> library (along with Boost C++ for ease of coding) to process RGB/RGBA image formats (we’ve tried JPG and PNG). For the creation of the sprites, we used the web-application </a:t>
-            </a:r>
-            <a:r>
-              <a:rPr lang="en-US" altLang="zh-TW" dirty="0" err="1"/>
-              <a:t>Piskel</a:t>
-            </a:r>
-            <a:r>
-              <a:rPr lang="en-US" altLang="zh-TW" dirty="0"/>
-              <a:t>, and performed resizes through </a:t>
-            </a:r>
-            <a:r>
-              <a:rPr lang="en-US" altLang="zh-TW" dirty="0" err="1"/>
-              <a:t>ImageMagick</a:t>
-            </a:r>
-            <a:r>
-              <a:rPr lang="en-US" altLang="zh-TW" dirty="0"/>
-              <a:t> CLI commands. (With the help of shell scripts, of course)</a:t>
-            </a:r>
-          </a:p>
-          <a:p>
-            <a:r>
-              <a:rPr lang="en-US" altLang="zh-TW" dirty="0"/>
-              <a:t>Throughout development, we’ve experimented with output formats such as Xilinx’s binary coefficient files (.</a:t>
-            </a:r>
-            <a:r>
-              <a:rPr lang="en-US" altLang="zh-TW" dirty="0" err="1"/>
-              <a:t>coe</a:t>
-            </a:r>
-            <a:r>
-              <a:rPr lang="en-US" altLang="zh-TW" dirty="0"/>
-              <a:t>), </a:t>
-            </a:r>
-            <a:r>
-              <a:rPr lang="en-US" altLang="zh-TW" dirty="0" err="1"/>
-              <a:t>SystemVerilog</a:t>
-            </a:r>
-            <a:r>
-              <a:rPr lang="en-US" altLang="zh-TW" dirty="0"/>
-              <a:t>-applicable parameter header files (.</a:t>
-            </a:r>
-            <a:r>
-              <a:rPr lang="en-US" altLang="zh-TW" dirty="0" err="1"/>
-              <a:t>svh</a:t>
-            </a:r>
-            <a:r>
-              <a:rPr lang="en-US" altLang="zh-TW" dirty="0"/>
-              <a:t>), and space-separated binary readable through $</a:t>
-            </a:r>
-            <a:r>
-              <a:rPr lang="en-US" altLang="zh-TW" dirty="0" err="1"/>
-              <a:t>readmemb</a:t>
-            </a:r>
-            <a:r>
-              <a:rPr lang="en-US" altLang="zh-TW" dirty="0"/>
-              <a:t>. (.mem) We eventually settled with .</a:t>
-            </a:r>
-            <a:r>
-              <a:rPr lang="en-US" altLang="zh-TW" dirty="0" err="1"/>
-              <a:t>coe</a:t>
-            </a:r>
-            <a:r>
-              <a:rPr lang="en-US" altLang="zh-TW" dirty="0"/>
-              <a:t> as the final output, but for the ease of concatenating the binaries, we export as .mem first.</a:t>
-            </a:r>
+            <a:pPr algn="ctr"/>
+            <a:r>
+              <a:rPr lang="en-US" altLang="zh-TW" sz="6000" dirty="0"/>
+              <a:t>Q&amp;A</a:t>
+            </a:r>
+            <a:endParaRPr lang="zh-TW" altLang="en-US" sz="6000" dirty="0"/>
           </a:p>
         </p:txBody>
       </p:sp>
     </p:spTree>
     <p:extLst>
       <p:ext uri="{BB962C8B-B14F-4D97-AF65-F5344CB8AC3E}">
-        <p14:creationId xmlns:p14="http://schemas.microsoft.com/office/powerpoint/2010/main" val="2761758962"/>
+        <p14:creationId xmlns:p14="http://schemas.microsoft.com/office/powerpoint/2010/main" val="1977995877"/>
       </p:ext>
     </p:extLst>
   </p:cSld>
